--- a/slides/02.Ngoc_260203.pptx
+++ b/slides/02.Ngoc_260203.pptx
@@ -4597,10 +4597,10 @@
       </p:grpSpPr>
       <p:pic>
         <p:nvPicPr>
-          <p:cNvPr id="4" name="Picture 3">
-            <a:extLst>
-              <a:ext uri="{FF2B5EF4-FFF2-40B4-BE49-F238E27FC236}">
-                <a16:creationId xmlns:a16="http://schemas.microsoft.com/office/drawing/2014/main" id="{01DF35E5-4E39-DD2B-4BD0-1C2A3EA230D7}"/>
+          <p:cNvPr id="5" name="Picture 4">
+            <a:extLst>
+              <a:ext uri="{FF2B5EF4-FFF2-40B4-BE49-F238E27FC236}">
+                <a16:creationId xmlns:a16="http://schemas.microsoft.com/office/drawing/2014/main" id="{E80D5ED6-E264-9C86-45F1-D1477D644AF0}"/>
               </a:ext>
             </a:extLst>
           </p:cNvPr>
@@ -4617,7 +4617,7 @@
         </p:blipFill>
         <p:spPr>
           <a:xfrm>
-            <a:off x="0" y="1032090"/>
+            <a:off x="0" y="1349272"/>
             <a:ext cx="7772400" cy="4365196"/>
           </a:xfrm>
           <a:prstGeom prst="rect">
@@ -6688,7 +6688,7 @@
           </a:stretch>
         </p:blipFill>
         <p:spPr>
-          <a:xfrm>
+          <a:xfrm rot="313691">
             <a:off x="1316735" y="1123039"/>
             <a:ext cx="8745170" cy="4867954"/>
           </a:xfrm>
